--- a/storage/app/public/slide/HHAFA - Hosana Hosana Hosana.pptx
+++ b/storage/app/public/slide/HHAFA - Hosana Hosana Hosana.pptx
@@ -247,7 +247,7 @@
           <a:p>
             <a:fld id="{683871E3-31DD-4FE3-B99B-055BEFB3EBAE}" type="datetimeFigureOut">
               <a:rPr lang="fr-FR" smtClean="0"/>
-              <a:t>29/10/2023</a:t>
+              <a:t>12/11/2023</a:t>
             </a:fld>
             <a:endParaRPr lang="fr-FR"/>
           </a:p>
@@ -417,7 +417,7 @@
           <a:p>
             <a:fld id="{683871E3-31DD-4FE3-B99B-055BEFB3EBAE}" type="datetimeFigureOut">
               <a:rPr lang="fr-FR" smtClean="0"/>
-              <a:t>29/10/2023</a:t>
+              <a:t>12/11/2023</a:t>
             </a:fld>
             <a:endParaRPr lang="fr-FR"/>
           </a:p>
@@ -597,7 +597,7 @@
           <a:p>
             <a:fld id="{683871E3-31DD-4FE3-B99B-055BEFB3EBAE}" type="datetimeFigureOut">
               <a:rPr lang="fr-FR" smtClean="0"/>
-              <a:t>29/10/2023</a:t>
+              <a:t>12/11/2023</a:t>
             </a:fld>
             <a:endParaRPr lang="fr-FR"/>
           </a:p>
@@ -767,7 +767,7 @@
           <a:p>
             <a:fld id="{683871E3-31DD-4FE3-B99B-055BEFB3EBAE}" type="datetimeFigureOut">
               <a:rPr lang="fr-FR" smtClean="0"/>
-              <a:t>29/10/2023</a:t>
+              <a:t>12/11/2023</a:t>
             </a:fld>
             <a:endParaRPr lang="fr-FR"/>
           </a:p>
@@ -1011,7 +1011,7 @@
           <a:p>
             <a:fld id="{683871E3-31DD-4FE3-B99B-055BEFB3EBAE}" type="datetimeFigureOut">
               <a:rPr lang="fr-FR" smtClean="0"/>
-              <a:t>29/10/2023</a:t>
+              <a:t>12/11/2023</a:t>
             </a:fld>
             <a:endParaRPr lang="fr-FR"/>
           </a:p>
@@ -1243,7 +1243,7 @@
           <a:p>
             <a:fld id="{683871E3-31DD-4FE3-B99B-055BEFB3EBAE}" type="datetimeFigureOut">
               <a:rPr lang="fr-FR" smtClean="0"/>
-              <a:t>29/10/2023</a:t>
+              <a:t>12/11/2023</a:t>
             </a:fld>
             <a:endParaRPr lang="fr-FR"/>
           </a:p>
@@ -1610,7 +1610,7 @@
           <a:p>
             <a:fld id="{683871E3-31DD-4FE3-B99B-055BEFB3EBAE}" type="datetimeFigureOut">
               <a:rPr lang="fr-FR" smtClean="0"/>
-              <a:t>29/10/2023</a:t>
+              <a:t>12/11/2023</a:t>
             </a:fld>
             <a:endParaRPr lang="fr-FR"/>
           </a:p>
@@ -1728,7 +1728,7 @@
           <a:p>
             <a:fld id="{683871E3-31DD-4FE3-B99B-055BEFB3EBAE}" type="datetimeFigureOut">
               <a:rPr lang="fr-FR" smtClean="0"/>
-              <a:t>29/10/2023</a:t>
+              <a:t>12/11/2023</a:t>
             </a:fld>
             <a:endParaRPr lang="fr-FR"/>
           </a:p>
@@ -1823,7 +1823,7 @@
           <a:p>
             <a:fld id="{683871E3-31DD-4FE3-B99B-055BEFB3EBAE}" type="datetimeFigureOut">
               <a:rPr lang="fr-FR" smtClean="0"/>
-              <a:t>29/10/2023</a:t>
+              <a:t>12/11/2023</a:t>
             </a:fld>
             <a:endParaRPr lang="fr-FR"/>
           </a:p>
@@ -2100,7 +2100,7 @@
           <a:p>
             <a:fld id="{683871E3-31DD-4FE3-B99B-055BEFB3EBAE}" type="datetimeFigureOut">
               <a:rPr lang="fr-FR" smtClean="0"/>
-              <a:t>29/10/2023</a:t>
+              <a:t>12/11/2023</a:t>
             </a:fld>
             <a:endParaRPr lang="fr-FR"/>
           </a:p>
@@ -2357,7 +2357,7 @@
           <a:p>
             <a:fld id="{683871E3-31DD-4FE3-B99B-055BEFB3EBAE}" type="datetimeFigureOut">
               <a:rPr lang="fr-FR" smtClean="0"/>
-              <a:t>29/10/2023</a:t>
+              <a:t>12/11/2023</a:t>
             </a:fld>
             <a:endParaRPr lang="fr-FR"/>
           </a:p>
@@ -2573,7 +2573,7 @@
           <a:p>
             <a:fld id="{683871E3-31DD-4FE3-B99B-055BEFB3EBAE}" type="datetimeFigureOut">
               <a:rPr lang="fr-FR" smtClean="0"/>
-              <a:t>29/10/2023</a:t>
+              <a:t>12/11/2023</a:t>
             </a:fld>
             <a:endParaRPr lang="fr-FR"/>
           </a:p>
